--- a/PRONOSTICO DEMANDA NIVEL GERENCIA.pptx
+++ b/PRONOSTICO DEMANDA NIVEL GERENCIA.pptx
@@ -5099,7 +5099,7 @@
             <a:fld id="{690DC06B-AB08-4449-BBF2-D264D52BB5AA}" type="datetime1">
               <a:rPr lang="es-ES" smtClean="0"/>
               <a:pPr algn="r" rtl="0"/>
-              <a:t>29/11/2019</a:t>
+              <a:t>30/11/2019</a:t>
             </a:fld>
             <a:r>
               <a:rPr lang="es-ES" dirty="0"/>
@@ -5273,7 +5273,7 @@
             <a:fld id="{093B6963-495A-4FE1-8B7F-59E549A2EEB6}" type="datetime1">
               <a:rPr lang="es-ES" smtClean="0"/>
               <a:pPr algn="r"/>
-              <a:t>29/11/2019</a:t>
+              <a:t>30/11/2019</a:t>
             </a:fld>
             <a:endParaRPr lang="es-ES" dirty="0"/>
           </a:p>
@@ -6802,7 +6802,7 @@
             <a:fld id="{934A2FF8-4559-4149-8B79-D85ED6F0B853}" type="datetime1">
               <a:rPr lang="es-ES" smtClean="0"/>
               <a:pPr/>
-              <a:t>29/11/2019</a:t>
+              <a:t>30/11/2019</a:t>
             </a:fld>
             <a:r>
               <a:rPr lang="es-ES" dirty="0"/>
@@ -7131,7 +7131,7 @@
             <a:fld id="{99FE88BC-BA9C-41DB-8175-8FC1D1B95355}" type="datetime1">
               <a:rPr lang="es-ES" smtClean="0"/>
               <a:pPr/>
-              <a:t>29/11/2019</a:t>
+              <a:t>30/11/2019</a:t>
             </a:fld>
             <a:r>
               <a:rPr lang="es-ES" dirty="0"/>
@@ -7325,7 +7325,7 @@
             <a:fld id="{7776A268-E945-41BF-9F85-D7A3B8400346}" type="datetime1">
               <a:rPr lang="es-ES" smtClean="0"/>
               <a:pPr/>
-              <a:t>29/11/2019</a:t>
+              <a:t>30/11/2019</a:t>
             </a:fld>
             <a:endParaRPr lang="es-ES" dirty="0"/>
           </a:p>
@@ -7526,7 +7526,7 @@
             <a:fld id="{CEC05348-D021-422A-8D9F-89EEB8C0F442}" type="datetime1">
               <a:rPr lang="es-ES" smtClean="0"/>
               <a:pPr/>
-              <a:t>29/11/2019</a:t>
+              <a:t>30/11/2019</a:t>
             </a:fld>
             <a:endParaRPr lang="es-ES" dirty="0"/>
           </a:p>
@@ -7804,7 +7804,7 @@
             <a:fld id="{D74F43DC-6EDA-4D74-8B4D-EE036F982A34}" type="datetime1">
               <a:rPr lang="es-ES" smtClean="0"/>
               <a:pPr/>
-              <a:t>29/11/2019</a:t>
+              <a:t>30/11/2019</a:t>
             </a:fld>
             <a:endParaRPr lang="es-ES" dirty="0"/>
           </a:p>
@@ -8877,7 +8877,7 @@
             <a:fld id="{2385DCDB-4A77-4170-9E07-5F1D7C0A0A5B}" type="datetime1">
               <a:rPr lang="es-ES" smtClean="0"/>
               <a:pPr/>
-              <a:t>29/11/2019</a:t>
+              <a:t>30/11/2019</a:t>
             </a:fld>
             <a:endParaRPr lang="es-ES" dirty="0"/>
           </a:p>
@@ -9196,7 +9196,7 @@
             <a:fld id="{B3C6D8C4-ADF9-42A1-9ABC-C61A9E9D2D08}" type="datetime1">
               <a:rPr lang="es-ES" smtClean="0"/>
               <a:pPr/>
-              <a:t>29/11/2019</a:t>
+              <a:t>30/11/2019</a:t>
             </a:fld>
             <a:endParaRPr lang="es-ES" dirty="0"/>
           </a:p>
@@ -9585,7 +9585,7 @@
             <a:fld id="{5B79CF11-FD05-4F88-8EC3-5D4F176B79FC}" type="datetime1">
               <a:rPr lang="es-ES" smtClean="0"/>
               <a:pPr/>
-              <a:t>29/11/2019</a:t>
+              <a:t>30/11/2019</a:t>
             </a:fld>
             <a:endParaRPr lang="es-ES" dirty="0"/>
           </a:p>
@@ -9724,7 +9724,7 @@
             <a:fld id="{FEAFC309-1B63-44A4-A9FC-29FA1501E26B}" type="datetime1">
               <a:rPr lang="es-ES" smtClean="0"/>
               <a:pPr/>
-              <a:t>29/11/2019</a:t>
+              <a:t>30/11/2019</a:t>
             </a:fld>
             <a:endParaRPr lang="es-ES" dirty="0"/>
           </a:p>
@@ -9835,7 +9835,7 @@
             <a:fld id="{87850802-155D-414A-A9FD-662B6F0E4656}" type="datetime1">
               <a:rPr lang="es-ES" smtClean="0"/>
               <a:pPr/>
-              <a:t>29/11/2019</a:t>
+              <a:t>30/11/2019</a:t>
             </a:fld>
             <a:r>
               <a:rPr lang="es-ES" dirty="0"/>
@@ -10138,7 +10138,7 @@
             <a:fld id="{5146D9C0-42AF-411F-B87E-5CF0AD6A3E2D}" type="datetime1">
               <a:rPr lang="es-ES" smtClean="0"/>
               <a:pPr/>
-              <a:t>29/11/2019</a:t>
+              <a:t>30/11/2019</a:t>
             </a:fld>
             <a:endParaRPr lang="es-ES" dirty="0"/>
           </a:p>
@@ -10395,7 +10395,7 @@
             <a:fld id="{EB0EBC17-0101-4DBA-89EA-55E7A4727CA3}" type="datetime1">
               <a:rPr lang="es-ES" noProof="0" smtClean="0"/>
               <a:pPr/>
-              <a:t>29/11/2019</a:t>
+              <a:t>30/11/2019</a:t>
             </a:fld>
             <a:endParaRPr lang="es-ES" noProof="0" dirty="0"/>
           </a:p>
@@ -11334,7 +11334,7 @@
         <p:spPr>
           <a:xfrm>
             <a:off x="238539" y="2583152"/>
-            <a:ext cx="3975237" cy="369332"/>
+            <a:ext cx="3975237" cy="646331"/>
           </a:xfrm>
           <a:prstGeom prst="rect">
             <a:avLst/>
@@ -11362,7 +11362,7 @@
                 <a:latin typeface="Arial" panose="020B0604020202020204" pitchFamily="34" charset="0"/>
                 <a:cs typeface="Arial" panose="020B0604020202020204" pitchFamily="34" charset="0"/>
               </a:rPr>
-              <a:t>ϴ</a:t>
+              <a:t>σ</a:t>
             </a:r>
             <a:r>
               <a:rPr lang="es-US" dirty="0">
@@ -11383,7 +11383,161 @@
                 <a:latin typeface="Arial" panose="020B0604020202020204" pitchFamily="34" charset="0"/>
                 <a:cs typeface="Arial" panose="020B0604020202020204" pitchFamily="34" charset="0"/>
               </a:rPr>
-              <a:t>Xt-1 +R</a:t>
+              <a:t>X</a:t>
+            </a:r>
+            <a:r>
+              <a:rPr lang="es-US" sz="1200" dirty="0">
+                <a:latin typeface="Arial" panose="020B0604020202020204" pitchFamily="34" charset="0"/>
+                <a:cs typeface="Arial" panose="020B0604020202020204" pitchFamily="34" charset="0"/>
+              </a:rPr>
+              <a:t>t-1</a:t>
+            </a:r>
+            <a:r>
+              <a:rPr lang="es-US" dirty="0">
+                <a:latin typeface="Arial" panose="020B0604020202020204" pitchFamily="34" charset="0"/>
+                <a:cs typeface="Arial" panose="020B0604020202020204" pitchFamily="34" charset="0"/>
+              </a:rPr>
+              <a:t> +</a:t>
+            </a:r>
+            <a:r>
+              <a:rPr lang="el-GR" dirty="0">
+                <a:latin typeface="Arial" panose="020B0604020202020204" pitchFamily="34" charset="0"/>
+                <a:cs typeface="Arial" panose="020B0604020202020204" pitchFamily="34" charset="0"/>
+              </a:rPr>
+              <a:t> ϴ</a:t>
+            </a:r>
+            <a:r>
+              <a:rPr lang="es-US" sz="1050" dirty="0">
+                <a:latin typeface="Arial" panose="020B0604020202020204" pitchFamily="34" charset="0"/>
+                <a:cs typeface="Arial" panose="020B0604020202020204" pitchFamily="34" charset="0"/>
+              </a:rPr>
+              <a:t>1</a:t>
+            </a:r>
+            <a:r>
+              <a:rPr lang="es-US" dirty="0">
+                <a:latin typeface="Arial" panose="020B0604020202020204" pitchFamily="34" charset="0"/>
+                <a:cs typeface="Arial" panose="020B0604020202020204" pitchFamily="34" charset="0"/>
+              </a:rPr>
+              <a:t>e</a:t>
+            </a:r>
+            <a:r>
+              <a:rPr lang="es-US" sz="1100" dirty="0">
+                <a:latin typeface="Arial" panose="020B0604020202020204" pitchFamily="34" charset="0"/>
+                <a:cs typeface="Arial" panose="020B0604020202020204" pitchFamily="34" charset="0"/>
+              </a:rPr>
+              <a:t>t-1 </a:t>
+            </a:r>
+            <a:r>
+              <a:rPr lang="es-US" dirty="0">
+                <a:latin typeface="Arial" panose="020B0604020202020204" pitchFamily="34" charset="0"/>
+                <a:cs typeface="Arial" panose="020B0604020202020204" pitchFamily="34" charset="0"/>
+              </a:rPr>
+              <a:t>+ </a:t>
+            </a:r>
+            <a:r>
+              <a:rPr lang="el-GR" dirty="0">
+                <a:latin typeface="Arial" panose="020B0604020202020204" pitchFamily="34" charset="0"/>
+                <a:cs typeface="Arial" panose="020B0604020202020204" pitchFamily="34" charset="0"/>
+              </a:rPr>
+              <a:t>ϴ</a:t>
+            </a:r>
+            <a:r>
+              <a:rPr lang="es-US" sz="1100" dirty="0">
+                <a:latin typeface="Arial" panose="020B0604020202020204" pitchFamily="34" charset="0"/>
+                <a:cs typeface="Arial" panose="020B0604020202020204" pitchFamily="34" charset="0"/>
+              </a:rPr>
+              <a:t>2</a:t>
+            </a:r>
+            <a:r>
+              <a:rPr lang="es-US" dirty="0">
+                <a:latin typeface="Arial" panose="020B0604020202020204" pitchFamily="34" charset="0"/>
+                <a:cs typeface="Arial" panose="020B0604020202020204" pitchFamily="34" charset="0"/>
+              </a:rPr>
+              <a:t>e</a:t>
+            </a:r>
+            <a:r>
+              <a:rPr lang="es-US" sz="1100" dirty="0">
+                <a:latin typeface="Arial" panose="020B0604020202020204" pitchFamily="34" charset="0"/>
+                <a:cs typeface="Arial" panose="020B0604020202020204" pitchFamily="34" charset="0"/>
+              </a:rPr>
+              <a:t>t-2</a:t>
+            </a:r>
+            <a:r>
+              <a:rPr lang="es-US" dirty="0">
+                <a:latin typeface="Arial" panose="020B0604020202020204" pitchFamily="34" charset="0"/>
+                <a:cs typeface="Arial" panose="020B0604020202020204" pitchFamily="34" charset="0"/>
+              </a:rPr>
+              <a:t> +</a:t>
+            </a:r>
+            <a:r>
+              <a:rPr lang="el-GR" dirty="0">
+                <a:latin typeface="Arial" panose="020B0604020202020204" pitchFamily="34" charset="0"/>
+                <a:cs typeface="Arial" panose="020B0604020202020204" pitchFamily="34" charset="0"/>
+              </a:rPr>
+              <a:t> ϴ</a:t>
+            </a:r>
+            <a:r>
+              <a:rPr lang="es-US" sz="1100" dirty="0">
+                <a:latin typeface="Arial" panose="020B0604020202020204" pitchFamily="34" charset="0"/>
+                <a:cs typeface="Arial" panose="020B0604020202020204" pitchFamily="34" charset="0"/>
+              </a:rPr>
+              <a:t>3</a:t>
+            </a:r>
+            <a:r>
+              <a:rPr lang="es-US" dirty="0">
+                <a:latin typeface="Arial" panose="020B0604020202020204" pitchFamily="34" charset="0"/>
+                <a:cs typeface="Arial" panose="020B0604020202020204" pitchFamily="34" charset="0"/>
+              </a:rPr>
+              <a:t>e</a:t>
+            </a:r>
+            <a:r>
+              <a:rPr lang="es-US" sz="1200" dirty="0">
+                <a:latin typeface="Arial" panose="020B0604020202020204" pitchFamily="34" charset="0"/>
+                <a:cs typeface="Arial" panose="020B0604020202020204" pitchFamily="34" charset="0"/>
+              </a:rPr>
+              <a:t>t-3</a:t>
+            </a:r>
+            <a:r>
+              <a:rPr lang="es-US" dirty="0">
+                <a:latin typeface="Arial" panose="020B0604020202020204" pitchFamily="34" charset="0"/>
+                <a:cs typeface="Arial" panose="020B0604020202020204" pitchFamily="34" charset="0"/>
+              </a:rPr>
+              <a:t> +</a:t>
+            </a:r>
+            <a:r>
+              <a:rPr lang="el-GR" dirty="0">
+                <a:latin typeface="Arial" panose="020B0604020202020204" pitchFamily="34" charset="0"/>
+                <a:cs typeface="Arial" panose="020B0604020202020204" pitchFamily="34" charset="0"/>
+              </a:rPr>
+              <a:t> ϴ</a:t>
+            </a:r>
+            <a:r>
+              <a:rPr lang="es-US" sz="1100" dirty="0">
+                <a:latin typeface="Arial" panose="020B0604020202020204" pitchFamily="34" charset="0"/>
+                <a:cs typeface="Arial" panose="020B0604020202020204" pitchFamily="34" charset="0"/>
+              </a:rPr>
+              <a:t>4</a:t>
+            </a:r>
+            <a:r>
+              <a:rPr lang="es-US" dirty="0">
+                <a:latin typeface="Arial" panose="020B0604020202020204" pitchFamily="34" charset="0"/>
+                <a:cs typeface="Arial" panose="020B0604020202020204" pitchFamily="34" charset="0"/>
+              </a:rPr>
+              <a:t>e</a:t>
+            </a:r>
+            <a:r>
+              <a:rPr lang="es-US" sz="1100" dirty="0">
+                <a:latin typeface="Arial" panose="020B0604020202020204" pitchFamily="34" charset="0"/>
+                <a:cs typeface="Arial" panose="020B0604020202020204" pitchFamily="34" charset="0"/>
+              </a:rPr>
+              <a:t>t-4</a:t>
+            </a:r>
+            <a:r>
+              <a:rPr lang="es-US" dirty="0">
+                <a:latin typeface="Arial" panose="020B0604020202020204" pitchFamily="34" charset="0"/>
+                <a:cs typeface="Arial" panose="020B0604020202020204" pitchFamily="34" charset="0"/>
+              </a:rPr>
+              <a:t> + R</a:t>
             </a:r>
             <a:endParaRPr lang="es-US" dirty="0"/>
           </a:p>
@@ -12338,7 +12492,7 @@
         </p:blipFill>
         <p:spPr>
           <a:xfrm>
-            <a:off x="6392516" y="1785591"/>
+            <a:off x="7070153" y="1472197"/>
             <a:ext cx="3806155" cy="2547870"/>
           </a:xfrm>
           <a:prstGeom prst="rect">
@@ -12400,6 +12554,36 @@
           <a:xfrm>
             <a:off x="1315692" y="4707833"/>
             <a:ext cx="2886075" cy="161925"/>
+          </a:xfrm>
+          <a:prstGeom prst="rect">
+            <a:avLst/>
+          </a:prstGeom>
+        </p:spPr>
+      </p:pic>
+      <p:pic>
+        <p:nvPicPr>
+          <p:cNvPr id="8" name="Imagen 7">
+            <a:extLst>
+              <a:ext uri="{FF2B5EF4-FFF2-40B4-BE49-F238E27FC236}">
+                <a16:creationId xmlns:a16="http://schemas.microsoft.com/office/drawing/2014/main" id="{E39D9103-A9C2-46C5-AEDC-305609B16E27}"/>
+              </a:ext>
+            </a:extLst>
+          </p:cNvPr>
+          <p:cNvPicPr>
+            <a:picLocks noChangeAspect="1"/>
+          </p:cNvPicPr>
+          <p:nvPr/>
+        </p:nvPicPr>
+        <p:blipFill>
+          <a:blip r:embed="rId7"/>
+          <a:stretch>
+            <a:fillRect/>
+          </a:stretch>
+        </p:blipFill>
+        <p:spPr>
+          <a:xfrm>
+            <a:off x="7070153" y="4020679"/>
+            <a:ext cx="3702188" cy="2585149"/>
           </a:xfrm>
           <a:prstGeom prst="rect">
             <a:avLst/>
@@ -18377,6 +18561,15 @@
 </file>
 
 <file path=customXml/item1.xml><?xml version="1.0" encoding="utf-8"?>
+<?mso-contentType ?>
+<FormTemplates xmlns="http://schemas.microsoft.com/sharepoint/v3/contenttype/forms">
+  <Display>DocumentLibraryForm</Display>
+  <Edit>AssetEditForm</Edit>
+  <New>DocumentLibraryForm</New>
+</FormTemplates>
+</file>
+
+<file path=customXml/item2.xml><?xml version="1.0" encoding="utf-8"?>
 <p:properties xmlns:p="http://schemas.microsoft.com/office/2006/metadata/properties" xmlns:xsi="http://www.w3.org/2001/XMLSchema-instance" xmlns:pc="http://schemas.microsoft.com/office/infopath/2007/PartnerControls">
   <documentManagement>
     <APDescription xmlns="4873beb7-5857-4685-be1f-d57550cc96cc" xsi:nil="true"/>
@@ -18500,15 +18693,6 @@
     <UANotes xmlns="4873beb7-5857-4685-be1f-d57550cc96cc" xsi:nil="true"/>
   </documentManagement>
 </p:properties>
-</file>
-
-<file path=customXml/item2.xml><?xml version="1.0" encoding="utf-8"?>
-<?mso-contentType ?>
-<FormTemplates xmlns="http://schemas.microsoft.com/sharepoint/v3/contenttype/forms">
-  <Display>DocumentLibraryForm</Display>
-  <Edit>AssetEditForm</Edit>
-  <New>DocumentLibraryForm</New>
-</FormTemplates>
 </file>
 
 <file path=customXml/item3.xml><?xml version="1.0" encoding="utf-8"?>
@@ -19552,19 +19736,19 @@
 </file>
 
 <file path=customXml/itemProps1.xml><?xml version="1.0" encoding="utf-8"?>
+<ds:datastoreItem xmlns:ds="http://schemas.openxmlformats.org/officeDocument/2006/customXml" ds:itemID="{561E720F-F05D-4536-9C34-0CFCED65D3B7}">
+  <ds:schemaRefs>
+    <ds:schemaRef ds:uri="http://schemas.microsoft.com/sharepoint/v3/contenttype/forms"/>
+  </ds:schemaRefs>
+</ds:datastoreItem>
+</file>
+
+<file path=customXml/itemProps2.xml><?xml version="1.0" encoding="utf-8"?>
 <ds:datastoreItem xmlns:ds="http://schemas.openxmlformats.org/officeDocument/2006/customXml" ds:itemID="{8CDDBB83-77C1-4099-A0AA-289882E745E2}">
   <ds:schemaRefs>
     <ds:schemaRef ds:uri="http://schemas.microsoft.com/office/2006/metadata/properties"/>
     <ds:schemaRef ds:uri="http://schemas.microsoft.com/office/infopath/2007/PartnerControls"/>
     <ds:schemaRef ds:uri="4873beb7-5857-4685-be1f-d57550cc96cc"/>
-  </ds:schemaRefs>
-</ds:datastoreItem>
-</file>
-
-<file path=customXml/itemProps2.xml><?xml version="1.0" encoding="utf-8"?>
-<ds:datastoreItem xmlns:ds="http://schemas.openxmlformats.org/officeDocument/2006/customXml" ds:itemID="{561E720F-F05D-4536-9C34-0CFCED65D3B7}">
-  <ds:schemaRefs>
-    <ds:schemaRef ds:uri="http://schemas.microsoft.com/sharepoint/v3/contenttype/forms"/>
   </ds:schemaRefs>
 </ds:datastoreItem>
 </file>

--- a/PRONOSTICO DEMANDA NIVEL GERENCIA.pptx
+++ b/PRONOSTICO DEMANDA NIVEL GERENCIA.pptx
@@ -5,10 +5,10 @@
     <p:sldMasterId id="2147483648" r:id="rId4"/>
   </p:sldMasterIdLst>
   <p:notesMasterIdLst>
-    <p:notesMasterId r:id="rId21"/>
+    <p:notesMasterId r:id="rId22"/>
   </p:notesMasterIdLst>
   <p:handoutMasterIdLst>
-    <p:handoutMasterId r:id="rId22"/>
+    <p:handoutMasterId r:id="rId23"/>
   </p:handoutMasterIdLst>
   <p:sldIdLst>
     <p:sldId id="256" r:id="rId5"/>
@@ -25,8 +25,9 @@
     <p:sldId id="271" r:id="rId16"/>
     <p:sldId id="261" r:id="rId17"/>
     <p:sldId id="260" r:id="rId18"/>
-    <p:sldId id="273" r:id="rId19"/>
-    <p:sldId id="274" r:id="rId20"/>
+    <p:sldId id="275" r:id="rId19"/>
+    <p:sldId id="273" r:id="rId20"/>
+    <p:sldId id="274" r:id="rId21"/>
   </p:sldIdLst>
   <p:sldSz cx="12192000" cy="6858000"/>
   <p:notesSz cx="6858000" cy="9144000"/>
@@ -5099,7 +5100,7 @@
             <a:fld id="{690DC06B-AB08-4449-BBF2-D264D52BB5AA}" type="datetime1">
               <a:rPr lang="es-ES" smtClean="0"/>
               <a:pPr algn="r" rtl="0"/>
-              <a:t>30/11/2019</a:t>
+              <a:t>02/12/2019</a:t>
             </a:fld>
             <a:r>
               <a:rPr lang="es-ES" dirty="0"/>
@@ -5273,7 +5274,7 @@
             <a:fld id="{093B6963-495A-4FE1-8B7F-59E549A2EEB6}" type="datetime1">
               <a:rPr lang="es-ES" smtClean="0"/>
               <a:pPr algn="r"/>
-              <a:t>30/11/2019</a:t>
+              <a:t>02/12/2019</a:t>
             </a:fld>
             <a:endParaRPr lang="es-ES" dirty="0"/>
           </a:p>
@@ -6802,7 +6803,7 @@
             <a:fld id="{934A2FF8-4559-4149-8B79-D85ED6F0B853}" type="datetime1">
               <a:rPr lang="es-ES" smtClean="0"/>
               <a:pPr/>
-              <a:t>30/11/2019</a:t>
+              <a:t>02/12/2019</a:t>
             </a:fld>
             <a:r>
               <a:rPr lang="es-ES" dirty="0"/>
@@ -7131,7 +7132,7 @@
             <a:fld id="{99FE88BC-BA9C-41DB-8175-8FC1D1B95355}" type="datetime1">
               <a:rPr lang="es-ES" smtClean="0"/>
               <a:pPr/>
-              <a:t>30/11/2019</a:t>
+              <a:t>02/12/2019</a:t>
             </a:fld>
             <a:r>
               <a:rPr lang="es-ES" dirty="0"/>
@@ -7325,7 +7326,7 @@
             <a:fld id="{7776A268-E945-41BF-9F85-D7A3B8400346}" type="datetime1">
               <a:rPr lang="es-ES" smtClean="0"/>
               <a:pPr/>
-              <a:t>30/11/2019</a:t>
+              <a:t>02/12/2019</a:t>
             </a:fld>
             <a:endParaRPr lang="es-ES" dirty="0"/>
           </a:p>
@@ -7526,7 +7527,7 @@
             <a:fld id="{CEC05348-D021-422A-8D9F-89EEB8C0F442}" type="datetime1">
               <a:rPr lang="es-ES" smtClean="0"/>
               <a:pPr/>
-              <a:t>30/11/2019</a:t>
+              <a:t>02/12/2019</a:t>
             </a:fld>
             <a:endParaRPr lang="es-ES" dirty="0"/>
           </a:p>
@@ -7804,7 +7805,7 @@
             <a:fld id="{D74F43DC-6EDA-4D74-8B4D-EE036F982A34}" type="datetime1">
               <a:rPr lang="es-ES" smtClean="0"/>
               <a:pPr/>
-              <a:t>30/11/2019</a:t>
+              <a:t>02/12/2019</a:t>
             </a:fld>
             <a:endParaRPr lang="es-ES" dirty="0"/>
           </a:p>
@@ -8877,7 +8878,7 @@
             <a:fld id="{2385DCDB-4A77-4170-9E07-5F1D7C0A0A5B}" type="datetime1">
               <a:rPr lang="es-ES" smtClean="0"/>
               <a:pPr/>
-              <a:t>30/11/2019</a:t>
+              <a:t>02/12/2019</a:t>
             </a:fld>
             <a:endParaRPr lang="es-ES" dirty="0"/>
           </a:p>
@@ -9196,7 +9197,7 @@
             <a:fld id="{B3C6D8C4-ADF9-42A1-9ABC-C61A9E9D2D08}" type="datetime1">
               <a:rPr lang="es-ES" smtClean="0"/>
               <a:pPr/>
-              <a:t>30/11/2019</a:t>
+              <a:t>02/12/2019</a:t>
             </a:fld>
             <a:endParaRPr lang="es-ES" dirty="0"/>
           </a:p>
@@ -9585,7 +9586,7 @@
             <a:fld id="{5B79CF11-FD05-4F88-8EC3-5D4F176B79FC}" type="datetime1">
               <a:rPr lang="es-ES" smtClean="0"/>
               <a:pPr/>
-              <a:t>30/11/2019</a:t>
+              <a:t>02/12/2019</a:t>
             </a:fld>
             <a:endParaRPr lang="es-ES" dirty="0"/>
           </a:p>
@@ -9724,7 +9725,7 @@
             <a:fld id="{FEAFC309-1B63-44A4-A9FC-29FA1501E26B}" type="datetime1">
               <a:rPr lang="es-ES" smtClean="0"/>
               <a:pPr/>
-              <a:t>30/11/2019</a:t>
+              <a:t>02/12/2019</a:t>
             </a:fld>
             <a:endParaRPr lang="es-ES" dirty="0"/>
           </a:p>
@@ -9835,7 +9836,7 @@
             <a:fld id="{87850802-155D-414A-A9FD-662B6F0E4656}" type="datetime1">
               <a:rPr lang="es-ES" smtClean="0"/>
               <a:pPr/>
-              <a:t>30/11/2019</a:t>
+              <a:t>02/12/2019</a:t>
             </a:fld>
             <a:r>
               <a:rPr lang="es-ES" dirty="0"/>
@@ -10138,7 +10139,7 @@
             <a:fld id="{5146D9C0-42AF-411F-B87E-5CF0AD6A3E2D}" type="datetime1">
               <a:rPr lang="es-ES" smtClean="0"/>
               <a:pPr/>
-              <a:t>30/11/2019</a:t>
+              <a:t>02/12/2019</a:t>
             </a:fld>
             <a:endParaRPr lang="es-ES" dirty="0"/>
           </a:p>
@@ -10395,7 +10396,7 @@
             <a:fld id="{EB0EBC17-0101-4DBA-89EA-55E7A4727CA3}" type="datetime1">
               <a:rPr lang="es-ES" noProof="0" smtClean="0"/>
               <a:pPr/>
-              <a:t>30/11/2019</a:t>
+              <a:t>02/12/2019</a:t>
             </a:fld>
             <a:endParaRPr lang="es-ES" noProof="0" dirty="0"/>
           </a:p>
@@ -11156,7 +11157,7 @@
             <a:pPr rtl="0"/>
             <a:r>
               <a:rPr lang="es-ES" dirty="0"/>
-              <a:t>AR sobre residuales de regresión</a:t>
+              <a:t>ARIMA sobre residuales de regresión</a:t>
             </a:r>
           </a:p>
         </p:txBody>
@@ -11399,12 +11400,14 @@
               </a:rPr>
               <a:t> +</a:t>
             </a:r>
+          </a:p>
+          <a:p>
             <a:r>
               <a:rPr lang="el-GR" dirty="0">
                 <a:latin typeface="Arial" panose="020B0604020202020204" pitchFamily="34" charset="0"/>
                 <a:cs typeface="Arial" panose="020B0604020202020204" pitchFamily="34" charset="0"/>
               </a:rPr>
-              <a:t> ϴ</a:t>
+              <a:t>ϴ</a:t>
             </a:r>
             <a:r>
               <a:rPr lang="es-US" sz="1050" dirty="0">
@@ -11793,7 +11796,7 @@
                   <a:schemeClr val="tx2"/>
                 </a:solidFill>
               </a:rPr>
-              <a:t>936</a:t>
+              <a:t>1008</a:t>
             </a:r>
           </a:p>
         </p:txBody>
@@ -11908,7 +11911,7 @@
                   <a:schemeClr val="tx2"/>
                 </a:solidFill>
               </a:rPr>
-              <a:t>218</a:t>
+              <a:t>229</a:t>
             </a:r>
           </a:p>
         </p:txBody>
@@ -12048,10 +12051,10 @@
       </p:sp>
       <p:pic>
         <p:nvPicPr>
-          <p:cNvPr id="4" name="Imagen 3">
+          <p:cNvPr id="3" name="Imagen 2">
             <a:extLst>
               <a:ext uri="{FF2B5EF4-FFF2-40B4-BE49-F238E27FC236}">
-                <a16:creationId xmlns:a16="http://schemas.microsoft.com/office/drawing/2014/main" id="{15700A00-D5FC-4733-BE64-B6DB5E4431D3}"/>
+                <a16:creationId xmlns:a16="http://schemas.microsoft.com/office/drawing/2014/main" id="{14F3DCF1-E847-44EF-8763-2011B5936F84}"/>
               </a:ext>
             </a:extLst>
           </p:cNvPr>
@@ -12068,8 +12071,8 @@
         </p:blipFill>
         <p:spPr>
           <a:xfrm>
-            <a:off x="4892743" y="1353432"/>
-            <a:ext cx="6663153" cy="3687978"/>
+            <a:off x="5471077" y="1353432"/>
+            <a:ext cx="6124575" cy="3429000"/>
           </a:xfrm>
           <a:prstGeom prst="rect">
             <a:avLst/>
@@ -12078,10 +12081,10 @@
       </p:pic>
       <p:pic>
         <p:nvPicPr>
-          <p:cNvPr id="5" name="Imagen 4">
+          <p:cNvPr id="6" name="Imagen 5">
             <a:extLst>
               <a:ext uri="{FF2B5EF4-FFF2-40B4-BE49-F238E27FC236}">
-                <a16:creationId xmlns:a16="http://schemas.microsoft.com/office/drawing/2014/main" id="{22112CD9-0DA3-41DF-A590-5F37DFA5CEE8}"/>
+                <a16:creationId xmlns:a16="http://schemas.microsoft.com/office/drawing/2014/main" id="{DEC0A872-9BF6-4D30-8BBC-73B6C0839FC7}"/>
               </a:ext>
             </a:extLst>
           </p:cNvPr>
@@ -12098,8 +12101,8 @@
         </p:blipFill>
         <p:spPr>
           <a:xfrm>
-            <a:off x="530087" y="4063176"/>
-            <a:ext cx="3942086" cy="2355781"/>
+            <a:off x="397566" y="3839457"/>
+            <a:ext cx="4207972" cy="2579500"/>
           </a:xfrm>
           <a:prstGeom prst="rect">
             <a:avLst/>
@@ -12243,6 +12246,111 @@
           <p:cNvPr id="2" name="Título 1">
             <a:extLst>
               <a:ext uri="{FF2B5EF4-FFF2-40B4-BE49-F238E27FC236}">
+                <a16:creationId xmlns:a16="http://schemas.microsoft.com/office/drawing/2014/main" id="{0ABE08A2-D29D-4272-B0E4-52F4BDEDFB25}"/>
+              </a:ext>
+            </a:extLst>
+          </p:cNvPr>
+          <p:cNvSpPr>
+            <a:spLocks noGrp="1"/>
+          </p:cNvSpPr>
+          <p:nvPr>
+            <p:ph type="ctrTitle"/>
+          </p:nvPr>
+        </p:nvSpPr>
+        <p:spPr>
+          <a:xfrm>
+            <a:off x="2880691" y="1006634"/>
+            <a:ext cx="4673048" cy="1136906"/>
+          </a:xfrm>
+        </p:spPr>
+        <p:txBody>
+          <a:bodyPr/>
+          <a:lstStyle/>
+          <a:p>
+            <a:r>
+              <a:rPr lang="es-US" dirty="0"/>
+              <a:t>CONCLUSIONES</a:t>
+            </a:r>
+          </a:p>
+        </p:txBody>
+      </p:sp>
+      <p:pic>
+        <p:nvPicPr>
+          <p:cNvPr id="4" name="Imagen 3">
+            <a:extLst>
+              <a:ext uri="{FF2B5EF4-FFF2-40B4-BE49-F238E27FC236}">
+                <a16:creationId xmlns:a16="http://schemas.microsoft.com/office/drawing/2014/main" id="{5E1B2E4C-0FD8-4E71-A9FB-882A7E0EE3A8}"/>
+              </a:ext>
+            </a:extLst>
+          </p:cNvPr>
+          <p:cNvPicPr>
+            <a:picLocks noChangeAspect="1"/>
+          </p:cNvPicPr>
+          <p:nvPr/>
+        </p:nvPicPr>
+        <p:blipFill>
+          <a:blip r:embed="rId2"/>
+          <a:stretch>
+            <a:fillRect/>
+          </a:stretch>
+        </p:blipFill>
+        <p:spPr>
+          <a:xfrm>
+            <a:off x="4961696" y="1929227"/>
+            <a:ext cx="6639753" cy="3682988"/>
+          </a:xfrm>
+          <a:prstGeom prst="rect">
+            <a:avLst/>
+          </a:prstGeom>
+        </p:spPr>
+      </p:pic>
+    </p:spTree>
+    <p:extLst>
+      <p:ext uri="{BB962C8B-B14F-4D97-AF65-F5344CB8AC3E}">
+        <p14:creationId xmlns:p14="http://schemas.microsoft.com/office/powerpoint/2010/main" val="3990017414"/>
+      </p:ext>
+    </p:extLst>
+  </p:cSld>
+  <p:clrMapOvr>
+    <a:masterClrMapping/>
+  </p:clrMapOvr>
+  <mc:AlternateContent xmlns:mc="http://schemas.openxmlformats.org/markup-compatibility/2006" xmlns:p14="http://schemas.microsoft.com/office/powerpoint/2010/main">
+    <mc:Choice Requires="p14">
+      <p:transition spd="med" p14:dur="700">
+        <p:fade/>
+      </p:transition>
+    </mc:Choice>
+    <mc:Fallback xmlns="">
+      <p:transition spd="med">
+        <p:fade/>
+      </p:transition>
+    </mc:Fallback>
+  </mc:AlternateContent>
+</p:sld>
+</file>
+
+<file path=ppt/slides/slide16.xml><?xml version="1.0" encoding="utf-8"?>
+<p:sld xmlns:a="http://schemas.openxmlformats.org/drawingml/2006/main" xmlns:r="http://schemas.openxmlformats.org/officeDocument/2006/relationships" xmlns:p="http://schemas.openxmlformats.org/presentationml/2006/main">
+  <p:cSld>
+    <p:spTree>
+      <p:nvGrpSpPr>
+        <p:cNvPr id="1" name=""/>
+        <p:cNvGrpSpPr/>
+        <p:nvPr/>
+      </p:nvGrpSpPr>
+      <p:grpSpPr>
+        <a:xfrm>
+          <a:off x="0" y="0"/>
+          <a:ext cx="0" cy="0"/>
+          <a:chOff x="0" y="0"/>
+          <a:chExt cx="0" cy="0"/>
+        </a:xfrm>
+      </p:grpSpPr>
+      <p:sp>
+        <p:nvSpPr>
+          <p:cNvPr id="2" name="Título 1">
+            <a:extLst>
+              <a:ext uri="{FF2B5EF4-FFF2-40B4-BE49-F238E27FC236}">
                 <a16:creationId xmlns:a16="http://schemas.microsoft.com/office/drawing/2014/main" id="{51C091C5-339E-4D33-B0E1-BA38357240F1}"/>
               </a:ext>
             </a:extLst>
@@ -12289,8 +12397,8 @@
         </p:nvSpPr>
         <p:spPr>
           <a:xfrm>
-            <a:off x="1047749" y="2669733"/>
-            <a:ext cx="10096501" cy="2432354"/>
+            <a:off x="1047750" y="2669733"/>
+            <a:ext cx="9660008" cy="2432354"/>
           </a:xfrm>
         </p:spPr>
         <p:txBody>
@@ -12299,6 +12407,7 @@
           </a:bodyPr>
           <a:lstStyle/>
           <a:p>
+            <a:pPr algn="just"/>
             <a:r>
               <a:rPr lang="es-US" dirty="0"/>
               <a:t>Se espera que, con este proyecto, el CENACE se pueda enfocar en pronosticar los días considerados atípicos para el modelo, teniendo ya un modelo que pronostique el resto de los días.</a:t>
@@ -12311,6 +12420,7 @@
             <a:endParaRPr lang="es-US" dirty="0"/>
           </a:p>
           <a:p>
+            <a:pPr algn="just"/>
             <a:r>
               <a:rPr lang="es-US" dirty="0"/>
               <a:t>Realizar un análisis de los días festivos por separado, tomando en cuenta los días </a:t>
@@ -12327,7 +12437,10 @@
               <a:rPr lang="es-US" dirty="0" err="1"/>
               <a:t>post-festivos</a:t>
             </a:r>
-            <a:endParaRPr lang="es-US" dirty="0"/>
+            <a:r>
+              <a:rPr lang="es-US" dirty="0"/>
+              <a:t>.</a:t>
+            </a:r>
           </a:p>
           <a:p>
             <a:endParaRPr lang="es-US" dirty="0"/>
@@ -12359,7 +12472,7 @@
 </p:sld>
 </file>
 
-<file path=ppt/slides/slide16.xml><?xml version="1.0" encoding="utf-8"?>
+<file path=ppt/slides/slide17.xml><?xml version="1.0" encoding="utf-8"?>
 <p:sld xmlns:a="http://schemas.openxmlformats.org/drawingml/2006/main" xmlns:r="http://schemas.openxmlformats.org/officeDocument/2006/relationships" xmlns:p="http://schemas.openxmlformats.org/presentationml/2006/main">
   <p:cSld>
     <p:spTree>

--- a/PRONOSTICO DEMANDA NIVEL GERENCIA.pptx
+++ b/PRONOSTICO DEMANDA NIVEL GERENCIA.pptx
@@ -5100,7 +5100,7 @@
             <a:fld id="{690DC06B-AB08-4449-BBF2-D264D52BB5AA}" type="datetime1">
               <a:rPr lang="es-ES" smtClean="0"/>
               <a:pPr algn="r" rtl="0"/>
-              <a:t>02/12/2019</a:t>
+              <a:t>03/12/2019</a:t>
             </a:fld>
             <a:r>
               <a:rPr lang="es-ES" dirty="0"/>
@@ -5274,7 +5274,7 @@
             <a:fld id="{093B6963-495A-4FE1-8B7F-59E549A2EEB6}" type="datetime1">
               <a:rPr lang="es-ES" smtClean="0"/>
               <a:pPr algn="r"/>
-              <a:t>02/12/2019</a:t>
+              <a:t>03/12/2019</a:t>
             </a:fld>
             <a:endParaRPr lang="es-ES" dirty="0"/>
           </a:p>
@@ -6803,7 +6803,7 @@
             <a:fld id="{934A2FF8-4559-4149-8B79-D85ED6F0B853}" type="datetime1">
               <a:rPr lang="es-ES" smtClean="0"/>
               <a:pPr/>
-              <a:t>02/12/2019</a:t>
+              <a:t>03/12/2019</a:t>
             </a:fld>
             <a:r>
               <a:rPr lang="es-ES" dirty="0"/>
@@ -7132,7 +7132,7 @@
             <a:fld id="{99FE88BC-BA9C-41DB-8175-8FC1D1B95355}" type="datetime1">
               <a:rPr lang="es-ES" smtClean="0"/>
               <a:pPr/>
-              <a:t>02/12/2019</a:t>
+              <a:t>03/12/2019</a:t>
             </a:fld>
             <a:r>
               <a:rPr lang="es-ES" dirty="0"/>
@@ -7326,7 +7326,7 @@
             <a:fld id="{7776A268-E945-41BF-9F85-D7A3B8400346}" type="datetime1">
               <a:rPr lang="es-ES" smtClean="0"/>
               <a:pPr/>
-              <a:t>02/12/2019</a:t>
+              <a:t>03/12/2019</a:t>
             </a:fld>
             <a:endParaRPr lang="es-ES" dirty="0"/>
           </a:p>
@@ -7527,7 +7527,7 @@
             <a:fld id="{CEC05348-D021-422A-8D9F-89EEB8C0F442}" type="datetime1">
               <a:rPr lang="es-ES" smtClean="0"/>
               <a:pPr/>
-              <a:t>02/12/2019</a:t>
+              <a:t>03/12/2019</a:t>
             </a:fld>
             <a:endParaRPr lang="es-ES" dirty="0"/>
           </a:p>
@@ -7805,7 +7805,7 @@
             <a:fld id="{D74F43DC-6EDA-4D74-8B4D-EE036F982A34}" type="datetime1">
               <a:rPr lang="es-ES" smtClean="0"/>
               <a:pPr/>
-              <a:t>02/12/2019</a:t>
+              <a:t>03/12/2019</a:t>
             </a:fld>
             <a:endParaRPr lang="es-ES" dirty="0"/>
           </a:p>
@@ -8878,7 +8878,7 @@
             <a:fld id="{2385DCDB-4A77-4170-9E07-5F1D7C0A0A5B}" type="datetime1">
               <a:rPr lang="es-ES" smtClean="0"/>
               <a:pPr/>
-              <a:t>02/12/2019</a:t>
+              <a:t>03/12/2019</a:t>
             </a:fld>
             <a:endParaRPr lang="es-ES" dirty="0"/>
           </a:p>
@@ -9197,7 +9197,7 @@
             <a:fld id="{B3C6D8C4-ADF9-42A1-9ABC-C61A9E9D2D08}" type="datetime1">
               <a:rPr lang="es-ES" smtClean="0"/>
               <a:pPr/>
-              <a:t>02/12/2019</a:t>
+              <a:t>03/12/2019</a:t>
             </a:fld>
             <a:endParaRPr lang="es-ES" dirty="0"/>
           </a:p>
@@ -9586,7 +9586,7 @@
             <a:fld id="{5B79CF11-FD05-4F88-8EC3-5D4F176B79FC}" type="datetime1">
               <a:rPr lang="es-ES" smtClean="0"/>
               <a:pPr/>
-              <a:t>02/12/2019</a:t>
+              <a:t>03/12/2019</a:t>
             </a:fld>
             <a:endParaRPr lang="es-ES" dirty="0"/>
           </a:p>
@@ -9725,7 +9725,7 @@
             <a:fld id="{FEAFC309-1B63-44A4-A9FC-29FA1501E26B}" type="datetime1">
               <a:rPr lang="es-ES" smtClean="0"/>
               <a:pPr/>
-              <a:t>02/12/2019</a:t>
+              <a:t>03/12/2019</a:t>
             </a:fld>
             <a:endParaRPr lang="es-ES" dirty="0"/>
           </a:p>
@@ -9836,7 +9836,7 @@
             <a:fld id="{87850802-155D-414A-A9FD-662B6F0E4656}" type="datetime1">
               <a:rPr lang="es-ES" smtClean="0"/>
               <a:pPr/>
-              <a:t>02/12/2019</a:t>
+              <a:t>03/12/2019</a:t>
             </a:fld>
             <a:r>
               <a:rPr lang="es-ES" dirty="0"/>
@@ -10139,7 +10139,7 @@
             <a:fld id="{5146D9C0-42AF-411F-B87E-5CF0AD6A3E2D}" type="datetime1">
               <a:rPr lang="es-ES" smtClean="0"/>
               <a:pPr/>
-              <a:t>02/12/2019</a:t>
+              <a:t>03/12/2019</a:t>
             </a:fld>
             <a:endParaRPr lang="es-ES" dirty="0"/>
           </a:p>
@@ -10396,7 +10396,7 @@
             <a:fld id="{EB0EBC17-0101-4DBA-89EA-55E7A4727CA3}" type="datetime1">
               <a:rPr lang="es-ES" noProof="0" smtClean="0"/>
               <a:pPr/>
-              <a:t>02/12/2019</a:t>
+              <a:t>03/12/2019</a:t>
             </a:fld>
             <a:endParaRPr lang="es-ES" noProof="0" dirty="0"/>
           </a:p>
@@ -12473,7 +12473,7 @@
 </file>
 
 <file path=ppt/slides/slide17.xml><?xml version="1.0" encoding="utf-8"?>
-<p:sld xmlns:a="http://schemas.openxmlformats.org/drawingml/2006/main" xmlns:r="http://schemas.openxmlformats.org/officeDocument/2006/relationships" xmlns:p="http://schemas.openxmlformats.org/presentationml/2006/main">
+<p:sld xmlns:a="http://schemas.openxmlformats.org/drawingml/2006/main" xmlns:r="http://schemas.openxmlformats.org/officeDocument/2006/relationships" xmlns:p="http://schemas.openxmlformats.org/presentationml/2006/main" show="0">
   <p:cSld>
     <p:spTree>
       <p:nvGrpSpPr>
@@ -12713,13 +12713,13 @@
   <p:clrMapOvr>
     <a:masterClrMapping/>
   </p:clrMapOvr>
-  <mc:AlternateContent xmlns:mc="http://schemas.openxmlformats.org/markup-compatibility/2006" xmlns:p14="http://schemas.microsoft.com/office/powerpoint/2010/main">
-    <mc:Choice Requires="p14">
+  <mc:AlternateContent xmlns:mc="http://schemas.openxmlformats.org/markup-compatibility/2006">
+    <mc:Choice xmlns:p14="http://schemas.microsoft.com/office/powerpoint/2010/main" Requires="p14">
       <p:transition spd="med" p14:dur="700">
         <p:fade/>
       </p:transition>
     </mc:Choice>
-    <mc:Fallback xmlns="">
+    <mc:Fallback>
       <p:transition spd="med">
         <p:fade/>
       </p:transition>
@@ -18674,15 +18674,6 @@
 </file>
 
 <file path=customXml/item1.xml><?xml version="1.0" encoding="utf-8"?>
-<?mso-contentType ?>
-<FormTemplates xmlns="http://schemas.microsoft.com/sharepoint/v3/contenttype/forms">
-  <Display>DocumentLibraryForm</Display>
-  <Edit>AssetEditForm</Edit>
-  <New>DocumentLibraryForm</New>
-</FormTemplates>
-</file>
-
-<file path=customXml/item2.xml><?xml version="1.0" encoding="utf-8"?>
 <p:properties xmlns:p="http://schemas.microsoft.com/office/2006/metadata/properties" xmlns:xsi="http://www.w3.org/2001/XMLSchema-instance" xmlns:pc="http://schemas.microsoft.com/office/infopath/2007/PartnerControls">
   <documentManagement>
     <APDescription xmlns="4873beb7-5857-4685-be1f-d57550cc96cc" xsi:nil="true"/>
@@ -18806,6 +18797,15 @@
     <UANotes xmlns="4873beb7-5857-4685-be1f-d57550cc96cc" xsi:nil="true"/>
   </documentManagement>
 </p:properties>
+</file>
+
+<file path=customXml/item2.xml><?xml version="1.0" encoding="utf-8"?>
+<?mso-contentType ?>
+<FormTemplates xmlns="http://schemas.microsoft.com/sharepoint/v3/contenttype/forms">
+  <Display>DocumentLibraryForm</Display>
+  <Edit>AssetEditForm</Edit>
+  <New>DocumentLibraryForm</New>
+</FormTemplates>
 </file>
 
 <file path=customXml/item3.xml><?xml version="1.0" encoding="utf-8"?>
@@ -19849,19 +19849,19 @@
 </file>
 
 <file path=customXml/itemProps1.xml><?xml version="1.0" encoding="utf-8"?>
-<ds:datastoreItem xmlns:ds="http://schemas.openxmlformats.org/officeDocument/2006/customXml" ds:itemID="{561E720F-F05D-4536-9C34-0CFCED65D3B7}">
+<ds:datastoreItem xmlns:ds="http://schemas.openxmlformats.org/officeDocument/2006/customXml" ds:itemID="{8CDDBB83-77C1-4099-A0AA-289882E745E2}">
   <ds:schemaRefs>
-    <ds:schemaRef ds:uri="http://schemas.microsoft.com/sharepoint/v3/contenttype/forms"/>
+    <ds:schemaRef ds:uri="http://schemas.microsoft.com/office/2006/metadata/properties"/>
+    <ds:schemaRef ds:uri="http://schemas.microsoft.com/office/infopath/2007/PartnerControls"/>
+    <ds:schemaRef ds:uri="4873beb7-5857-4685-be1f-d57550cc96cc"/>
   </ds:schemaRefs>
 </ds:datastoreItem>
 </file>
 
 <file path=customXml/itemProps2.xml><?xml version="1.0" encoding="utf-8"?>
-<ds:datastoreItem xmlns:ds="http://schemas.openxmlformats.org/officeDocument/2006/customXml" ds:itemID="{8CDDBB83-77C1-4099-A0AA-289882E745E2}">
+<ds:datastoreItem xmlns:ds="http://schemas.openxmlformats.org/officeDocument/2006/customXml" ds:itemID="{561E720F-F05D-4536-9C34-0CFCED65D3B7}">
   <ds:schemaRefs>
-    <ds:schemaRef ds:uri="http://schemas.microsoft.com/office/2006/metadata/properties"/>
-    <ds:schemaRef ds:uri="http://schemas.microsoft.com/office/infopath/2007/PartnerControls"/>
-    <ds:schemaRef ds:uri="4873beb7-5857-4685-be1f-d57550cc96cc"/>
+    <ds:schemaRef ds:uri="http://schemas.microsoft.com/sharepoint/v3/contenttype/forms"/>
   </ds:schemaRefs>
 </ds:datastoreItem>
 </file>
